--- a/documents/sprint-docs/AustinSprint1.pptx
+++ b/documents/sprint-docs/AustinSprint1.pptx
@@ -123,6 +123,7 @@
 <file path=ppt/revisionInfo.xml><?xml version="1.0" encoding="utf-8"?>
 <p1510:revInfo xmlns:a="http://schemas.openxmlformats.org/drawingml/2006/main" xmlns:r="http://schemas.openxmlformats.org/officeDocument/2006/relationships" xmlns:p1510="http://schemas.microsoft.com/office/powerpoint/2015/10/main">
   <p1510:revLst>
+    <p1510:client id="{BABDA133-D201-746A-B71F-91CD6DB362C6}" v="192" dt="2022-10-21T01:27:36.081"/>
     <p1510:client id="{D334F9AA-334D-41A5-AF6B-0EB3CC2B14B9}" v="512" dt="2022-09-28T04:22:49.420"/>
   </p1510:revLst>
 </p1510:revInfo>
@@ -130,6 +131,46 @@
 
 <file path=ppt/changesInfos/changesInfo1.xml><?xml version="1.0" encoding="utf-8"?>
 <pc:chgInfo xmlns:a="http://schemas.openxmlformats.org/drawingml/2006/main" xmlns:r="http://schemas.openxmlformats.org/officeDocument/2006/relationships" xmlns:ac="http://schemas.microsoft.com/office/drawing/2013/main/command" xmlns:pc="http://schemas.microsoft.com/office/powerpoint/2013/main/command">
+  <pc:docChgLst>
+    <pc:chgData name="Austin Bray Champtaloup" userId="S::abraychamptaloup@stu.kerikerihigh.ac.nz::ef9dffb8-3a09-47fa-9d41-5b9c899fb4c4" providerId="AD" clId="Web-{BABDA133-D201-746A-B71F-91CD6DB362C6}"/>
+    <pc:docChg chg="modSld">
+      <pc:chgData name="Austin Bray Champtaloup" userId="S::abraychamptaloup@stu.kerikerihigh.ac.nz::ef9dffb8-3a09-47fa-9d41-5b9c899fb4c4" providerId="AD" clId="Web-{BABDA133-D201-746A-B71F-91CD6DB362C6}" dt="2022-10-21T01:27:36.081" v="192" actId="20577"/>
+      <pc:docMkLst>
+        <pc:docMk/>
+      </pc:docMkLst>
+      <pc:sldChg chg="modSp">
+        <pc:chgData name="Austin Bray Champtaloup" userId="S::abraychamptaloup@stu.kerikerihigh.ac.nz::ef9dffb8-3a09-47fa-9d41-5b9c899fb4c4" providerId="AD" clId="Web-{BABDA133-D201-746A-B71F-91CD6DB362C6}" dt="2022-10-21T01:27:36.081" v="192" actId="20577"/>
+        <pc:sldMkLst>
+          <pc:docMk/>
+          <pc:sldMk cId="1414272535" sldId="261"/>
+        </pc:sldMkLst>
+        <pc:spChg chg="mod">
+          <ac:chgData name="Austin Bray Champtaloup" userId="S::abraychamptaloup@stu.kerikerihigh.ac.nz::ef9dffb8-3a09-47fa-9d41-5b9c899fb4c4" providerId="AD" clId="Web-{BABDA133-D201-746A-B71F-91CD6DB362C6}" dt="2022-10-21T01:27:36.081" v="192" actId="20577"/>
+          <ac:spMkLst>
+            <pc:docMk/>
+            <pc:sldMk cId="1414272535" sldId="261"/>
+            <ac:spMk id="3" creationId="{5056AA62-CDA3-4510-AF9E-3017CD132DB6}"/>
+          </ac:spMkLst>
+        </pc:spChg>
+        <pc:picChg chg="mod">
+          <ac:chgData name="Austin Bray Champtaloup" userId="S::abraychamptaloup@stu.kerikerihigh.ac.nz::ef9dffb8-3a09-47fa-9d41-5b9c899fb4c4" providerId="AD" clId="Web-{BABDA133-D201-746A-B71F-91CD6DB362C6}" dt="2022-10-21T01:22:17.745" v="1" actId="1076"/>
+          <ac:picMkLst>
+            <pc:docMk/>
+            <pc:sldMk cId="1414272535" sldId="261"/>
+            <ac:picMk id="4" creationId="{9A818CFF-A3ED-E074-58BB-2A34F0EFA64A}"/>
+          </ac:picMkLst>
+        </pc:picChg>
+        <pc:picChg chg="mod">
+          <ac:chgData name="Austin Bray Champtaloup" userId="S::abraychamptaloup@stu.kerikerihigh.ac.nz::ef9dffb8-3a09-47fa-9d41-5b9c899fb4c4" providerId="AD" clId="Web-{BABDA133-D201-746A-B71F-91CD6DB362C6}" dt="2022-10-21T01:22:15.198" v="0" actId="1076"/>
+          <ac:picMkLst>
+            <pc:docMk/>
+            <pc:sldMk cId="1414272535" sldId="261"/>
+            <ac:picMk id="5" creationId="{E835EB95-B092-8339-0F82-C46772B56A71}"/>
+          </ac:picMkLst>
+        </pc:picChg>
+      </pc:sldChg>
+    </pc:docChg>
+  </pc:docChgLst>
   <pc:docChgLst>
     <pc:chgData name="Austin Bray Champtaloup" userId="S::abraychamptaloup@stu.kerikerihigh.ac.nz::ef9dffb8-3a09-47fa-9d41-5b9c899fb4c4" providerId="AD" clId="Web-{D334F9AA-334D-41A5-AF6B-0EB3CC2B14B9}"/>
     <pc:docChg chg="addSld delSld modSld addMainMaster">
@@ -463,7 +504,7 @@
           <a:p>
             <a:fld id="{846CE7D5-CF57-46EF-B807-FDD0502418D4}" type="datetimeFigureOut">
               <a:rPr lang="en-US" smtClean="0"/>
-              <a:t>9/27/2022</a:t>
+              <a:t>10/20/2022</a:t>
             </a:fld>
             <a:endParaRPr lang="en-US"/>
           </a:p>
@@ -633,7 +674,7 @@
           <a:p>
             <a:fld id="{846CE7D5-CF57-46EF-B807-FDD0502418D4}" type="datetimeFigureOut">
               <a:rPr lang="en-US" smtClean="0"/>
-              <a:t>9/27/2022</a:t>
+              <a:t>10/20/2022</a:t>
             </a:fld>
             <a:endParaRPr lang="en-US"/>
           </a:p>
@@ -813,7 +854,7 @@
           <a:p>
             <a:fld id="{846CE7D5-CF57-46EF-B807-FDD0502418D4}" type="datetimeFigureOut">
               <a:rPr lang="en-US" smtClean="0"/>
-              <a:t>9/27/2022</a:t>
+              <a:t>10/20/2022</a:t>
             </a:fld>
             <a:endParaRPr lang="en-US"/>
           </a:p>
@@ -1023,7 +1064,7 @@
           <a:p>
             <a:fld id="{E08466A4-FDA0-4AFB-B05A-C40CE52B08F9}" type="datetimeFigureOut">
               <a:rPr lang="en-NZ" smtClean="0"/>
-              <a:t>27/09/2022</a:t>
+              <a:t>20/10/2022</a:t>
             </a:fld>
             <a:endParaRPr lang="en-NZ"/>
           </a:p>
@@ -1223,7 +1264,7 @@
           <a:p>
             <a:fld id="{E08466A4-FDA0-4AFB-B05A-C40CE52B08F9}" type="datetimeFigureOut">
               <a:rPr lang="en-NZ" smtClean="0"/>
-              <a:t>27/09/2022</a:t>
+              <a:t>20/10/2022</a:t>
             </a:fld>
             <a:endParaRPr lang="en-NZ"/>
           </a:p>
@@ -1499,7 +1540,7 @@
           <a:p>
             <a:fld id="{E08466A4-FDA0-4AFB-B05A-C40CE52B08F9}" type="datetimeFigureOut">
               <a:rPr lang="en-NZ" smtClean="0"/>
-              <a:t>27/09/2022</a:t>
+              <a:t>20/10/2022</a:t>
             </a:fld>
             <a:endParaRPr lang="en-NZ"/>
           </a:p>
@@ -1767,7 +1808,7 @@
           <a:p>
             <a:fld id="{E08466A4-FDA0-4AFB-B05A-C40CE52B08F9}" type="datetimeFigureOut">
               <a:rPr lang="en-NZ" smtClean="0"/>
-              <a:t>27/09/2022</a:t>
+              <a:t>20/10/2022</a:t>
             </a:fld>
             <a:endParaRPr lang="en-NZ"/>
           </a:p>
@@ -2182,7 +2223,7 @@
           <a:p>
             <a:fld id="{E08466A4-FDA0-4AFB-B05A-C40CE52B08F9}" type="datetimeFigureOut">
               <a:rPr lang="en-NZ" smtClean="0"/>
-              <a:t>27/09/2022</a:t>
+              <a:t>20/10/2022</a:t>
             </a:fld>
             <a:endParaRPr lang="en-NZ"/>
           </a:p>
@@ -2324,7 +2365,7 @@
           <a:p>
             <a:fld id="{E08466A4-FDA0-4AFB-B05A-C40CE52B08F9}" type="datetimeFigureOut">
               <a:rPr lang="en-NZ" smtClean="0"/>
-              <a:t>27/09/2022</a:t>
+              <a:t>20/10/2022</a:t>
             </a:fld>
             <a:endParaRPr lang="en-NZ"/>
           </a:p>
@@ -2437,7 +2478,7 @@
           <a:p>
             <a:fld id="{E08466A4-FDA0-4AFB-B05A-C40CE52B08F9}" type="datetimeFigureOut">
               <a:rPr lang="en-NZ" smtClean="0"/>
-              <a:t>27/09/2022</a:t>
+              <a:t>20/10/2022</a:t>
             </a:fld>
             <a:endParaRPr lang="en-NZ"/>
           </a:p>
@@ -2750,7 +2791,7 @@
           <a:p>
             <a:fld id="{E08466A4-FDA0-4AFB-B05A-C40CE52B08F9}" type="datetimeFigureOut">
               <a:rPr lang="en-NZ" smtClean="0"/>
-              <a:t>27/09/2022</a:t>
+              <a:t>20/10/2022</a:t>
             </a:fld>
             <a:endParaRPr lang="en-NZ"/>
           </a:p>
@@ -2932,7 +2973,7 @@
           <a:p>
             <a:fld id="{846CE7D5-CF57-46EF-B807-FDD0502418D4}" type="datetimeFigureOut">
               <a:rPr lang="en-US" smtClean="0"/>
-              <a:t>9/27/2022</a:t>
+              <a:t>10/20/2022</a:t>
             </a:fld>
             <a:endParaRPr lang="en-US"/>
           </a:p>
@@ -3209,7 +3250,7 @@
           <a:p>
             <a:fld id="{E08466A4-FDA0-4AFB-B05A-C40CE52B08F9}" type="datetimeFigureOut">
               <a:rPr lang="en-NZ" smtClean="0"/>
-              <a:t>27/09/2022</a:t>
+              <a:t>20/10/2022</a:t>
             </a:fld>
             <a:endParaRPr lang="en-NZ"/>
           </a:p>
@@ -3409,7 +3450,7 @@
           <a:p>
             <a:fld id="{E08466A4-FDA0-4AFB-B05A-C40CE52B08F9}" type="datetimeFigureOut">
               <a:rPr lang="en-NZ" smtClean="0"/>
-              <a:t>27/09/2022</a:t>
+              <a:t>20/10/2022</a:t>
             </a:fld>
             <a:endParaRPr lang="en-NZ"/>
           </a:p>
@@ -3619,7 +3660,7 @@
           <a:p>
             <a:fld id="{E08466A4-FDA0-4AFB-B05A-C40CE52B08F9}" type="datetimeFigureOut">
               <a:rPr lang="en-NZ" smtClean="0"/>
-              <a:t>27/09/2022</a:t>
+              <a:t>20/10/2022</a:t>
             </a:fld>
             <a:endParaRPr lang="en-NZ"/>
           </a:p>
@@ -3877,7 +3918,7 @@
           <a:p>
             <a:fld id="{846CE7D5-CF57-46EF-B807-FDD0502418D4}" type="datetimeFigureOut">
               <a:rPr lang="en-US" smtClean="0"/>
-              <a:t>9/27/2022</a:t>
+              <a:t>10/20/2022</a:t>
             </a:fld>
             <a:endParaRPr lang="en-US"/>
           </a:p>
@@ -4109,7 +4150,7 @@
           <a:p>
             <a:fld id="{846CE7D5-CF57-46EF-B807-FDD0502418D4}" type="datetimeFigureOut">
               <a:rPr lang="en-US" smtClean="0"/>
-              <a:t>9/27/2022</a:t>
+              <a:t>10/20/2022</a:t>
             </a:fld>
             <a:endParaRPr lang="en-US"/>
           </a:p>
@@ -4476,7 +4517,7 @@
           <a:p>
             <a:fld id="{846CE7D5-CF57-46EF-B807-FDD0502418D4}" type="datetimeFigureOut">
               <a:rPr lang="en-US" smtClean="0"/>
-              <a:t>9/27/2022</a:t>
+              <a:t>10/20/2022</a:t>
             </a:fld>
             <a:endParaRPr lang="en-US"/>
           </a:p>
@@ -4594,7 +4635,7 @@
           <a:p>
             <a:fld id="{846CE7D5-CF57-46EF-B807-FDD0502418D4}" type="datetimeFigureOut">
               <a:rPr lang="en-US" smtClean="0"/>
-              <a:t>9/27/2022</a:t>
+              <a:t>10/20/2022</a:t>
             </a:fld>
             <a:endParaRPr lang="en-US"/>
           </a:p>
@@ -4689,7 +4730,7 @@
           <a:p>
             <a:fld id="{846CE7D5-CF57-46EF-B807-FDD0502418D4}" type="datetimeFigureOut">
               <a:rPr lang="en-US" smtClean="0"/>
-              <a:t>9/27/2022</a:t>
+              <a:t>10/20/2022</a:t>
             </a:fld>
             <a:endParaRPr lang="en-US"/>
           </a:p>
@@ -4966,7 +5007,7 @@
           <a:p>
             <a:fld id="{846CE7D5-CF57-46EF-B807-FDD0502418D4}" type="datetimeFigureOut">
               <a:rPr lang="en-US" smtClean="0"/>
-              <a:t>9/27/2022</a:t>
+              <a:t>10/20/2022</a:t>
             </a:fld>
             <a:endParaRPr lang="en-US"/>
           </a:p>
@@ -5223,7 +5264,7 @@
           <a:p>
             <a:fld id="{846CE7D5-CF57-46EF-B807-FDD0502418D4}" type="datetimeFigureOut">
               <a:rPr lang="en-US" smtClean="0"/>
-              <a:t>9/27/2022</a:t>
+              <a:t>10/20/2022</a:t>
             </a:fld>
             <a:endParaRPr lang="en-US"/>
           </a:p>
@@ -5436,7 +5477,7 @@
           <a:p>
             <a:fld id="{846CE7D5-CF57-46EF-B807-FDD0502418D4}" type="datetimeFigureOut">
               <a:rPr lang="en-US" smtClean="0"/>
-              <a:t>9/27/2022</a:t>
+              <a:t>10/20/2022</a:t>
             </a:fld>
             <a:endParaRPr lang="en-US"/>
           </a:p>
@@ -5994,7 +6035,7 @@
           <a:p>
             <a:fld id="{E08466A4-FDA0-4AFB-B05A-C40CE52B08F9}" type="datetimeFigureOut">
               <a:rPr lang="en-NZ" smtClean="0"/>
-              <a:t>27/09/2022</a:t>
+              <a:t>20/10/2022</a:t>
             </a:fld>
             <a:endParaRPr lang="en-NZ"/>
           </a:p>
@@ -6901,7 +6942,45 @@
             <a:pPr marL="0" indent="0">
               <a:buNone/>
             </a:pPr>
-            <a:endParaRPr lang="en-NZ" sz="1200" dirty="0"/>
+            <a:r>
+              <a:rPr lang="en-NZ" sz="1200" dirty="0">
+                <a:ea typeface="+mn-lt"/>
+                <a:cs typeface="+mn-lt"/>
+              </a:rPr>
+              <a:t>During this sprint, I decided we needed to test how a player would react to the enemy's ai, since if it wasn't scary or wasn't intuitive the game wouldn't be very fun. we had Alek Wagner, a fellow DTC student playtest our game with the enemy active, unfortunately since it only walked towards the player constantly and through walls, the enemy felt very unnatural to </a:t>
+            </a:r>
+            <a:r>
+              <a:rPr lang="en-NZ" sz="1200" err="1">
+                <a:ea typeface="+mn-lt"/>
+                <a:cs typeface="+mn-lt"/>
+              </a:rPr>
+              <a:t>alek</a:t>
+            </a:r>
+            <a:r>
+              <a:rPr lang="en-NZ" sz="1200" dirty="0">
+                <a:ea typeface="+mn-lt"/>
+                <a:cs typeface="+mn-lt"/>
+              </a:rPr>
+              <a:t>, it didn't seem fair that the enemy constantly knew where the player was. A line of sight feature that made it so the enemy could not spot the player through walls could improve the players experience, only having the enemy chase the player when they have </a:t>
+            </a:r>
+            <a:r>
+              <a:rPr lang="en-NZ" sz="1200">
+                <a:ea typeface="+mn-lt"/>
+                <a:cs typeface="+mn-lt"/>
+              </a:rPr>
+              <a:t>direct LOS. </a:t>
+            </a:r>
+            <a:endParaRPr lang="en-NZ" sz="1200">
+              <a:cs typeface="Calibri"/>
+            </a:endParaRPr>
+          </a:p>
+          <a:p>
+            <a:pPr marL="0" indent="0">
+              <a:buNone/>
+            </a:pPr>
+            <a:endParaRPr lang="en-NZ" sz="1200" dirty="0">
+              <a:cs typeface="Calibri"/>
+            </a:endParaRPr>
           </a:p>
         </p:txBody>
       </p:sp>
@@ -6927,7 +7006,7 @@
         </p:blipFill>
         <p:spPr>
           <a:xfrm>
-            <a:off x="247650" y="3390900"/>
+            <a:off x="195695" y="5746173"/>
             <a:ext cx="2190750" cy="1047750"/>
           </a:xfrm>
           <a:prstGeom prst="rect">
@@ -6957,7 +7036,7 @@
         </p:blipFill>
         <p:spPr>
           <a:xfrm>
-            <a:off x="2676525" y="3429000"/>
+            <a:off x="2711161" y="5749636"/>
             <a:ext cx="2190750" cy="1047750"/>
           </a:xfrm>
           <a:prstGeom prst="rect">
@@ -7242,11 +7321,11 @@
   <p:clrMapOvr>
     <a:masterClrMapping/>
   </p:clrMapOvr>
-  <mc:AlternateContent xmlns:mc="http://schemas.openxmlformats.org/markup-compatibility/2006">
-    <mc:Choice xmlns:p14="http://schemas.microsoft.com/office/powerpoint/2010/main" Requires="p14">
+  <mc:AlternateContent xmlns:mc="http://schemas.openxmlformats.org/markup-compatibility/2006" xmlns:p14="http://schemas.microsoft.com/office/powerpoint/2010/main">
+    <mc:Choice Requires="p14">
       <p:transition spd="slow" p14:dur="2000" advTm="22900"/>
     </mc:Choice>
-    <mc:Fallback>
+    <mc:Fallback xmlns="">
       <p:transition spd="slow" advTm="22900"/>
     </mc:Fallback>
   </mc:AlternateContent>
